--- a/image/统计分析入口.pptx
+++ b/image/统计分析入口.pptx
@@ -6,6 +6,7 @@
   </p:sldMasterIdLst>
   <p:sldIdLst>
     <p:sldId id="256" r:id="rId2"/>
+    <p:sldId id="257" r:id="rId3"/>
   </p:sldIdLst>
   <p:sldSz cx="9144000" cy="6858000" type="screen4x3"/>
   <p:notesSz cx="6858000" cy="9144000"/>
@@ -288,7 +289,7 @@
           <a:p>
             <a:fld id="{530820CF-B880-4189-942D-D702A7CBA730}" type="datetimeFigureOut">
               <a:rPr lang="zh-CN" altLang="en-US" smtClean="0"/>
-              <a:t>2021/7/29</a:t>
+              <a:t>2021/12/23</a:t>
             </a:fld>
             <a:endParaRPr lang="zh-CN" altLang="en-US"/>
           </a:p>
@@ -453,7 +454,7 @@
           <a:p>
             <a:fld id="{530820CF-B880-4189-942D-D702A7CBA730}" type="datetimeFigureOut">
               <a:rPr lang="zh-CN" altLang="en-US" smtClean="0"/>
-              <a:t>2021/7/29</a:t>
+              <a:t>2021/12/23</a:t>
             </a:fld>
             <a:endParaRPr lang="zh-CN" altLang="en-US"/>
           </a:p>
@@ -628,7 +629,7 @@
           <a:p>
             <a:fld id="{530820CF-B880-4189-942D-D702A7CBA730}" type="datetimeFigureOut">
               <a:rPr lang="zh-CN" altLang="en-US" smtClean="0"/>
-              <a:t>2021/7/29</a:t>
+              <a:t>2021/12/23</a:t>
             </a:fld>
             <a:endParaRPr lang="zh-CN" altLang="en-US"/>
           </a:p>
@@ -793,7 +794,7 @@
           <a:p>
             <a:fld id="{530820CF-B880-4189-942D-D702A7CBA730}" type="datetimeFigureOut">
               <a:rPr lang="zh-CN" altLang="en-US" smtClean="0"/>
-              <a:t>2021/7/29</a:t>
+              <a:t>2021/12/23</a:t>
             </a:fld>
             <a:endParaRPr lang="zh-CN" altLang="en-US"/>
           </a:p>
@@ -1034,7 +1035,7 @@
           <a:p>
             <a:fld id="{530820CF-B880-4189-942D-D702A7CBA730}" type="datetimeFigureOut">
               <a:rPr lang="zh-CN" altLang="en-US" smtClean="0"/>
-              <a:t>2021/7/29</a:t>
+              <a:t>2021/12/23</a:t>
             </a:fld>
             <a:endParaRPr lang="zh-CN" altLang="en-US"/>
           </a:p>
@@ -1317,7 +1318,7 @@
           <a:p>
             <a:fld id="{530820CF-B880-4189-942D-D702A7CBA730}" type="datetimeFigureOut">
               <a:rPr lang="zh-CN" altLang="en-US" smtClean="0"/>
-              <a:t>2021/7/29</a:t>
+              <a:t>2021/12/23</a:t>
             </a:fld>
             <a:endParaRPr lang="zh-CN" altLang="en-US"/>
           </a:p>
@@ -1734,7 +1735,7 @@
           <a:p>
             <a:fld id="{530820CF-B880-4189-942D-D702A7CBA730}" type="datetimeFigureOut">
               <a:rPr lang="zh-CN" altLang="en-US" smtClean="0"/>
-              <a:t>2021/7/29</a:t>
+              <a:t>2021/12/23</a:t>
             </a:fld>
             <a:endParaRPr lang="zh-CN" altLang="en-US"/>
           </a:p>
@@ -1847,7 +1848,7 @@
           <a:p>
             <a:fld id="{530820CF-B880-4189-942D-D702A7CBA730}" type="datetimeFigureOut">
               <a:rPr lang="zh-CN" altLang="en-US" smtClean="0"/>
-              <a:t>2021/7/29</a:t>
+              <a:t>2021/12/23</a:t>
             </a:fld>
             <a:endParaRPr lang="zh-CN" altLang="en-US"/>
           </a:p>
@@ -1937,7 +1938,7 @@
           <a:p>
             <a:fld id="{530820CF-B880-4189-942D-D702A7CBA730}" type="datetimeFigureOut">
               <a:rPr lang="zh-CN" altLang="en-US" smtClean="0"/>
-              <a:t>2021/7/29</a:t>
+              <a:t>2021/12/23</a:t>
             </a:fld>
             <a:endParaRPr lang="zh-CN" altLang="en-US"/>
           </a:p>
@@ -2209,7 +2210,7 @@
           <a:p>
             <a:fld id="{530820CF-B880-4189-942D-D702A7CBA730}" type="datetimeFigureOut">
               <a:rPr lang="zh-CN" altLang="en-US" smtClean="0"/>
-              <a:t>2021/7/29</a:t>
+              <a:t>2021/12/23</a:t>
             </a:fld>
             <a:endParaRPr lang="zh-CN" altLang="en-US"/>
           </a:p>
@@ -2457,7 +2458,7 @@
           <a:p>
             <a:fld id="{530820CF-B880-4189-942D-D702A7CBA730}" type="datetimeFigureOut">
               <a:rPr lang="zh-CN" altLang="en-US" smtClean="0"/>
-              <a:t>2021/7/29</a:t>
+              <a:t>2021/12/23</a:t>
             </a:fld>
             <a:endParaRPr lang="zh-CN" altLang="en-US"/>
           </a:p>
@@ -2665,7 +2666,7 @@
           <a:p>
             <a:fld id="{530820CF-B880-4189-942D-D702A7CBA730}" type="datetimeFigureOut">
               <a:rPr lang="zh-CN" altLang="en-US" smtClean="0"/>
-              <a:t>2021/7/29</a:t>
+              <a:t>2021/12/23</a:t>
             </a:fld>
             <a:endParaRPr lang="zh-CN" altLang="en-US"/>
           </a:p>
@@ -3118,6 +3119,112 @@
     <p:extLst>
       <p:ext uri="{BB962C8B-B14F-4D97-AF65-F5344CB8AC3E}">
         <p14:creationId xmlns:p14="http://schemas.microsoft.com/office/powerpoint/2010/main" val="1561214341"/>
+      </p:ext>
+    </p:extLst>
+  </p:cSld>
+  <p:clrMapOvr>
+    <a:masterClrMapping/>
+  </p:clrMapOvr>
+</p:sld>
+</file>
+
+<file path=ppt/slides/slide2.xml><?xml version="1.0" encoding="utf-8"?>
+<p:sld xmlns:a="http://schemas.openxmlformats.org/drawingml/2006/main" xmlns:r="http://schemas.openxmlformats.org/officeDocument/2006/relationships" xmlns:p="http://schemas.openxmlformats.org/presentationml/2006/main">
+  <p:cSld>
+    <p:spTree>
+      <p:nvGrpSpPr>
+        <p:cNvPr id="1" name=""/>
+        <p:cNvGrpSpPr/>
+        <p:nvPr/>
+      </p:nvGrpSpPr>
+      <p:grpSpPr>
+        <a:xfrm>
+          <a:off x="0" y="0"/>
+          <a:ext cx="0" cy="0"/>
+          <a:chOff x="0" y="0"/>
+          <a:chExt cx="0" cy="0"/>
+        </a:xfrm>
+      </p:grpSpPr>
+      <p:sp>
+        <p:nvSpPr>
+          <p:cNvPr id="6" name="圆角矩形 5"/>
+          <p:cNvSpPr/>
+          <p:nvPr/>
+        </p:nvSpPr>
+        <p:spPr>
+          <a:xfrm>
+            <a:off x="1187624" y="1844824"/>
+            <a:ext cx="7128792" cy="1944216"/>
+          </a:xfrm>
+          <a:prstGeom prst="roundRect">
+            <a:avLst>
+              <a:gd name="adj" fmla="val 46980"/>
+            </a:avLst>
+          </a:prstGeom>
+          <a:noFill/>
+          <a:ln w="127000">
+            <a:solidFill>
+              <a:schemeClr val="accent3">
+                <a:lumMod val="75000"/>
+              </a:schemeClr>
+            </a:solidFill>
+          </a:ln>
+        </p:spPr>
+        <p:style>
+          <a:lnRef idx="2">
+            <a:schemeClr val="accent1">
+              <a:shade val="50000"/>
+            </a:schemeClr>
+          </a:lnRef>
+          <a:fillRef idx="1">
+            <a:schemeClr val="accent1"/>
+          </a:fillRef>
+          <a:effectRef idx="0">
+            <a:schemeClr val="accent1"/>
+          </a:effectRef>
+          <a:fontRef idx="minor">
+            <a:schemeClr val="lt1"/>
+          </a:fontRef>
+        </p:style>
+        <p:txBody>
+          <a:bodyPr rtlCol="0" anchor="ctr"/>
+          <a:lstStyle/>
+          <a:p>
+            <a:pPr algn="ctr"/>
+            <a:r>
+              <a:rPr lang="zh-CN" altLang="en-US" sz="6600" b="1" dirty="0" smtClean="0">
+                <a:solidFill>
+                  <a:schemeClr val="tx1"/>
+                </a:solidFill>
+                <a:latin typeface="+mj-ea"/>
+                <a:ea typeface="+mj-ea"/>
+              </a:rPr>
+              <a:t>持续更新中</a:t>
+            </a:r>
+            <a:r>
+              <a:rPr lang="en-US" altLang="zh-CN" sz="6600" b="1" dirty="0" smtClean="0">
+                <a:solidFill>
+                  <a:schemeClr val="tx1"/>
+                </a:solidFill>
+                <a:latin typeface="+mj-ea"/>
+                <a:ea typeface="+mj-ea"/>
+              </a:rPr>
+              <a:t>……</a:t>
+            </a:r>
+            <a:endParaRPr lang="zh-CN" altLang="en-US" sz="6600" b="1" dirty="0">
+              <a:solidFill>
+                <a:schemeClr val="tx1"/>
+              </a:solidFill>
+              <a:latin typeface="+mj-ea"/>
+              <a:ea typeface="+mj-ea"/>
+            </a:endParaRPr>
+          </a:p>
+        </p:txBody>
+      </p:sp>
+    </p:spTree>
+    <p:extLst>
+      <p:ext uri="{BB962C8B-B14F-4D97-AF65-F5344CB8AC3E}">
+        <p14:creationId xmlns:p14="http://schemas.microsoft.com/office/powerpoint/2010/main" val="3599646940"/>
       </p:ext>
     </p:extLst>
   </p:cSld>
